--- a/hoca.pptx
+++ b/hoca.pptx
@@ -247,7 +247,7 @@
           <a:p>
             <a:fld id="{5F42C7CF-10AE-49D8-B2B0-379BF51A550A}" type="datetimeFigureOut">
               <a:rPr lang="ru-RU" smtClean="0"/>
-              <a:t>04.05.2022</a:t>
+              <a:t>05.05.2022</a:t>
             </a:fld>
             <a:endParaRPr lang="ru-RU"/>
           </a:p>
@@ -417,7 +417,7 @@
           <a:p>
             <a:fld id="{5F42C7CF-10AE-49D8-B2B0-379BF51A550A}" type="datetimeFigureOut">
               <a:rPr lang="ru-RU" smtClean="0"/>
-              <a:t>04.05.2022</a:t>
+              <a:t>05.05.2022</a:t>
             </a:fld>
             <a:endParaRPr lang="ru-RU"/>
           </a:p>
@@ -597,7 +597,7 @@
           <a:p>
             <a:fld id="{5F42C7CF-10AE-49D8-B2B0-379BF51A550A}" type="datetimeFigureOut">
               <a:rPr lang="ru-RU" smtClean="0"/>
-              <a:t>04.05.2022</a:t>
+              <a:t>05.05.2022</a:t>
             </a:fld>
             <a:endParaRPr lang="ru-RU"/>
           </a:p>
@@ -767,7 +767,7 @@
           <a:p>
             <a:fld id="{5F42C7CF-10AE-49D8-B2B0-379BF51A550A}" type="datetimeFigureOut">
               <a:rPr lang="ru-RU" smtClean="0"/>
-              <a:t>04.05.2022</a:t>
+              <a:t>05.05.2022</a:t>
             </a:fld>
             <a:endParaRPr lang="ru-RU"/>
           </a:p>
@@ -1013,7 +1013,7 @@
           <a:p>
             <a:fld id="{5F42C7CF-10AE-49D8-B2B0-379BF51A550A}" type="datetimeFigureOut">
               <a:rPr lang="ru-RU" smtClean="0"/>
-              <a:t>04.05.2022</a:t>
+              <a:t>05.05.2022</a:t>
             </a:fld>
             <a:endParaRPr lang="ru-RU"/>
           </a:p>
@@ -1245,7 +1245,7 @@
           <a:p>
             <a:fld id="{5F42C7CF-10AE-49D8-B2B0-379BF51A550A}" type="datetimeFigureOut">
               <a:rPr lang="ru-RU" smtClean="0"/>
-              <a:t>04.05.2022</a:t>
+              <a:t>05.05.2022</a:t>
             </a:fld>
             <a:endParaRPr lang="ru-RU"/>
           </a:p>
@@ -1612,7 +1612,7 @@
           <a:p>
             <a:fld id="{5F42C7CF-10AE-49D8-B2B0-379BF51A550A}" type="datetimeFigureOut">
               <a:rPr lang="ru-RU" smtClean="0"/>
-              <a:t>04.05.2022</a:t>
+              <a:t>05.05.2022</a:t>
             </a:fld>
             <a:endParaRPr lang="ru-RU"/>
           </a:p>
@@ -1730,7 +1730,7 @@
           <a:p>
             <a:fld id="{5F42C7CF-10AE-49D8-B2B0-379BF51A550A}" type="datetimeFigureOut">
               <a:rPr lang="ru-RU" smtClean="0"/>
-              <a:t>04.05.2022</a:t>
+              <a:t>05.05.2022</a:t>
             </a:fld>
             <a:endParaRPr lang="ru-RU"/>
           </a:p>
@@ -1825,7 +1825,7 @@
           <a:p>
             <a:fld id="{5F42C7CF-10AE-49D8-B2B0-379BF51A550A}" type="datetimeFigureOut">
               <a:rPr lang="ru-RU" smtClean="0"/>
-              <a:t>04.05.2022</a:t>
+              <a:t>05.05.2022</a:t>
             </a:fld>
             <a:endParaRPr lang="ru-RU"/>
           </a:p>
@@ -2102,7 +2102,7 @@
           <a:p>
             <a:fld id="{5F42C7CF-10AE-49D8-B2B0-379BF51A550A}" type="datetimeFigureOut">
               <a:rPr lang="ru-RU" smtClean="0"/>
-              <a:t>04.05.2022</a:t>
+              <a:t>05.05.2022</a:t>
             </a:fld>
             <a:endParaRPr lang="ru-RU"/>
           </a:p>
@@ -2355,7 +2355,7 @@
           <a:p>
             <a:fld id="{5F42C7CF-10AE-49D8-B2B0-379BF51A550A}" type="datetimeFigureOut">
               <a:rPr lang="ru-RU" smtClean="0"/>
-              <a:t>04.05.2022</a:t>
+              <a:t>05.05.2022</a:t>
             </a:fld>
             <a:endParaRPr lang="ru-RU"/>
           </a:p>
@@ -2571,7 +2571,7 @@
           <a:p>
             <a:fld id="{5F42C7CF-10AE-49D8-B2B0-379BF51A550A}" type="datetimeFigureOut">
               <a:rPr lang="ru-RU" smtClean="0"/>
-              <a:t>04.05.2022</a:t>
+              <a:t>05.05.2022</a:t>
             </a:fld>
             <a:endParaRPr lang="ru-RU"/>
           </a:p>
@@ -3139,11 +3139,7 @@
             </a:r>
             <a:r>
               <a:rPr lang="en-US" dirty="0" smtClean="0"/>
-              <a:t> </a:t>
-            </a:r>
-            <a:r>
-              <a:rPr lang="en-US" dirty="0" smtClean="0"/>
-              <a:t>– </a:t>
+              <a:t> – </a:t>
             </a:r>
             <a:r>
               <a:rPr lang="ru-RU" dirty="0" smtClean="0"/>
@@ -3169,7 +3165,6 @@
               <a:rPr lang="en-US" dirty="0" smtClean="0"/>
               <a:t>;</a:t>
             </a:r>
-            <a:endParaRPr lang="en-US" dirty="0" smtClean="0"/>
           </a:p>
           <a:p>
             <a:r>
@@ -3182,11 +3177,7 @@
             </a:r>
             <a:r>
               <a:rPr lang="ru-RU" dirty="0" smtClean="0"/>
-              <a:t> </a:t>
-            </a:r>
-            <a:r>
-              <a:rPr lang="ru-RU" dirty="0" smtClean="0"/>
-              <a:t>монетка и камень-ножницы-бумага</a:t>
+              <a:t> монетка и камень-ножницы-бумага</a:t>
             </a:r>
             <a:r>
               <a:rPr lang="en-US" dirty="0" smtClean="0"/>
@@ -3262,7 +3253,7 @@
           <a:p>
             <a:r>
               <a:rPr lang="ru-RU" dirty="0" smtClean="0"/>
-              <a:t>Технологии</a:t>
+              <a:t>Библиотеки</a:t>
             </a:r>
             <a:r>
               <a:rPr lang="en-US" dirty="0" smtClean="0"/>
@@ -3270,7 +3261,11 @@
             </a:r>
             <a:r>
               <a:rPr lang="ru-RU" dirty="0" smtClean="0"/>
-              <a:t> использованные при создании проекта</a:t>
+              <a:t> </a:t>
+            </a:r>
+            <a:r>
+              <a:rPr lang="ru-RU" dirty="0" smtClean="0"/>
+              <a:t>использованные при создании проекта</a:t>
             </a:r>
             <a:endParaRPr lang="ru-RU" dirty="0"/>
           </a:p>
@@ -3293,33 +3288,23 @@
           <a:p>
             <a:r>
               <a:rPr lang="en-US" dirty="0" smtClean="0"/>
-              <a:t>Discord.py</a:t>
+              <a:t>Discord.py;</a:t>
+            </a:r>
+          </a:p>
+          <a:p>
+            <a:r>
+              <a:rPr lang="en-US" dirty="0" err="1" smtClean="0"/>
+              <a:t>Sqlalchemy</a:t>
             </a:r>
             <a:r>
               <a:rPr lang="en-US" dirty="0" smtClean="0"/>
               <a:t>;</a:t>
             </a:r>
-            <a:endParaRPr lang="en-US" dirty="0" smtClean="0"/>
-          </a:p>
-          <a:p>
-            <a:r>
-              <a:rPr lang="en-US" dirty="0" err="1" smtClean="0"/>
-              <a:t>Sqlalchemy</a:t>
-            </a:r>
+          </a:p>
+          <a:p>
             <a:r>
               <a:rPr lang="en-US" dirty="0" smtClean="0"/>
-              <a:t>;</a:t>
-            </a:r>
-            <a:endParaRPr lang="en-US" dirty="0" smtClean="0"/>
-          </a:p>
-          <a:p>
-            <a:r>
-              <a:rPr lang="en-US" dirty="0" smtClean="0"/>
-              <a:t>Requests</a:t>
-            </a:r>
-            <a:r>
-              <a:rPr lang="en-US" dirty="0" smtClean="0"/>
-              <a:t>;</a:t>
+              <a:t>Requests;</a:t>
             </a:r>
             <a:endParaRPr lang="ru-RU" dirty="0"/>
           </a:p>
@@ -3428,15 +3413,7 @@
           <a:p>
             <a:r>
               <a:rPr lang="ru-RU" dirty="0" smtClean="0"/>
-              <a:t>Для </a:t>
-            </a:r>
-            <a:r>
-              <a:rPr lang="ru-RU" dirty="0" smtClean="0"/>
-              <a:t>игр </a:t>
-            </a:r>
-            <a:r>
-              <a:rPr lang="ru-RU" dirty="0" smtClean="0"/>
-              <a:t>были использованы классы </a:t>
+              <a:t>Для игр были использованы классы </a:t>
             </a:r>
             <a:r>
               <a:rPr lang="en-US" dirty="0" smtClean="0"/>
@@ -3448,48 +3425,42 @@
             </a:r>
             <a:r>
               <a:rPr lang="en-US" dirty="0" smtClean="0"/>
-              <a:t> Roulette</a:t>
+              <a:t> Roulette;</a:t>
+            </a:r>
+          </a:p>
+          <a:p>
+            <a:r>
+              <a:rPr lang="ru-RU" dirty="0" smtClean="0"/>
+              <a:t>Для сохранения в</a:t>
+            </a:r>
+            <a:r>
+              <a:rPr lang="en-US" dirty="0" smtClean="0"/>
+              <a:t>/</a:t>
+            </a:r>
+            <a:r>
+              <a:rPr lang="ru-RU" dirty="0" smtClean="0"/>
+              <a:t>чтения из базы данных используются классы </a:t>
+            </a:r>
+            <a:r>
+              <a:rPr lang="en-US" dirty="0" err="1" smtClean="0"/>
+              <a:t>WalletConnecter</a:t>
+            </a:r>
+            <a:r>
+              <a:rPr lang="en-US" dirty="0" smtClean="0"/>
+              <a:t> </a:t>
+            </a:r>
+            <a:r>
+              <a:rPr lang="ru-RU" dirty="0" smtClean="0"/>
+              <a:t>и </a:t>
+            </a:r>
+            <a:r>
+              <a:rPr lang="en-US" dirty="0" err="1" smtClean="0"/>
+              <a:t>WalletModel</a:t>
             </a:r>
             <a:r>
               <a:rPr lang="en-US" dirty="0" smtClean="0"/>
               <a:t>;</a:t>
             </a:r>
-            <a:endParaRPr lang="en-US" dirty="0" smtClean="0"/>
-          </a:p>
-          <a:p>
-            <a:r>
-              <a:rPr lang="ru-RU" dirty="0" smtClean="0"/>
-              <a:t>Для сохранения в</a:t>
-            </a:r>
-            <a:r>
-              <a:rPr lang="en-US" dirty="0" smtClean="0"/>
-              <a:t>/</a:t>
-            </a:r>
-            <a:r>
-              <a:rPr lang="ru-RU" dirty="0" smtClean="0"/>
-              <a:t>чтения из базы данных используются классы </a:t>
-            </a:r>
-            <a:r>
-              <a:rPr lang="en-US" dirty="0" err="1" smtClean="0"/>
-              <a:t>WalletConnecter</a:t>
-            </a:r>
-            <a:r>
-              <a:rPr lang="en-US" dirty="0" smtClean="0"/>
-              <a:t> </a:t>
-            </a:r>
-            <a:r>
-              <a:rPr lang="ru-RU" dirty="0" smtClean="0"/>
-              <a:t>и </a:t>
-            </a:r>
-            <a:r>
-              <a:rPr lang="en-US" dirty="0" err="1" smtClean="0"/>
-              <a:t>WalletModel</a:t>
-            </a:r>
-            <a:r>
-              <a:rPr lang="en-US" dirty="0" smtClean="0"/>
-              <a:t>;</a:t>
-            </a:r>
-            <a:endParaRPr lang="en-US" dirty="0" smtClean="0"/>
           </a:p>
           <a:p>
             <a:r>
@@ -3516,7 +3487,6 @@
               <a:rPr lang="en-US" dirty="0" smtClean="0"/>
               <a:t>Wallet;</a:t>
             </a:r>
-            <a:endParaRPr lang="en-US" dirty="0" smtClean="0"/>
           </a:p>
         </p:txBody>
       </p:sp>
@@ -3598,7 +3568,6 @@
               <a:rPr lang="en-US" dirty="0" smtClean="0"/>
               <a:t>;</a:t>
             </a:r>
-            <a:endParaRPr lang="en-US" dirty="0" smtClean="0"/>
           </a:p>
           <a:p>
             <a:r>
